--- a/lectures/RStudio.pptx
+++ b/lectures/RStudio.pptx
@@ -242,7 +242,7 @@
           <a:p>
             <a:fld id="{08BD4FA9-F3CE-45B3-A980-C331C6F1EF65}" type="datetimeFigureOut">
               <a:rPr lang="en-US" smtClean="0"/>
-              <a:t>6/3/2021</a:t>
+              <a:t>3/13/2022</a:t>
             </a:fld>
             <a:endParaRPr lang="en-US"/>
           </a:p>
@@ -407,7 +407,7 @@
           <a:p>
             <a:fld id="{4DD5792B-B5B4-4CD1-8610-9362680650DD}" type="datetimeFigureOut">
               <a:rPr lang="en-US" smtClean="0"/>
-              <a:t>6/3/2021</a:t>
+              <a:t>3/13/2022</a:t>
             </a:fld>
             <a:endParaRPr lang="en-US"/>
           </a:p>
@@ -948,7 +948,7 @@
           <a:p>
             <a:fld id="{EAAD3657-2200-4D14-82C0-10C39B0F0F06}" type="datetime1">
               <a:rPr lang="en-US" smtClean="0"/>
-              <a:t>6/3/2021</a:t>
+              <a:t>3/13/2022</a:t>
             </a:fld>
             <a:endParaRPr lang="en-US"/>
           </a:p>
@@ -1116,7 +1116,7 @@
           <a:p>
             <a:fld id="{11BBAF55-A85E-4993-914E-FC1E5AA7DF24}" type="datetime1">
               <a:rPr lang="en-US" smtClean="0"/>
-              <a:t>6/3/2021</a:t>
+              <a:t>3/13/2022</a:t>
             </a:fld>
             <a:endParaRPr lang="en-US"/>
           </a:p>
@@ -1294,7 +1294,7 @@
           <a:p>
             <a:fld id="{39816E07-E1DB-44A4-A5E5-9F4B54E8C933}" type="datetime1">
               <a:rPr lang="en-US" smtClean="0"/>
-              <a:t>6/3/2021</a:t>
+              <a:t>3/13/2022</a:t>
             </a:fld>
             <a:endParaRPr lang="en-US"/>
           </a:p>
@@ -1479,7 +1479,7 @@
           <a:p>
             <a:fld id="{C2B1AD17-B813-4477-8AFE-B1860CC59113}" type="datetime1">
               <a:rPr lang="en-US" smtClean="0"/>
-              <a:t>6/3/2021</a:t>
+              <a:t>3/13/2022</a:t>
             </a:fld>
             <a:endParaRPr lang="en-US"/>
           </a:p>
@@ -1724,7 +1724,7 @@
           <a:p>
             <a:fld id="{D0975C0D-5C9E-48CC-8D31-F42D19FA8F7A}" type="datetime1">
               <a:rPr lang="en-US" smtClean="0"/>
-              <a:t>6/3/2021</a:t>
+              <a:t>3/13/2022</a:t>
             </a:fld>
             <a:endParaRPr lang="en-US"/>
           </a:p>
@@ -2009,7 +2009,7 @@
           <a:p>
             <a:fld id="{28657551-0F2B-4F09-86FD-F7994CE83DC5}" type="datetime1">
               <a:rPr lang="en-US" smtClean="0"/>
-              <a:t>6/3/2021</a:t>
+              <a:t>3/13/2022</a:t>
             </a:fld>
             <a:endParaRPr lang="en-US"/>
           </a:p>
@@ -2428,7 +2428,7 @@
           <a:p>
             <a:fld id="{3929D2B2-4200-46B9-96C3-02A55D5FAA00}" type="datetime1">
               <a:rPr lang="en-US" smtClean="0"/>
-              <a:t>6/3/2021</a:t>
+              <a:t>3/13/2022</a:t>
             </a:fld>
             <a:endParaRPr lang="en-US"/>
           </a:p>
@@ -2545,7 +2545,7 @@
           <a:p>
             <a:fld id="{41FF7722-74E8-497F-A072-89677A2C2373}" type="datetime1">
               <a:rPr lang="en-US" smtClean="0"/>
-              <a:t>6/3/2021</a:t>
+              <a:t>3/13/2022</a:t>
             </a:fld>
             <a:endParaRPr lang="en-US"/>
           </a:p>
@@ -2640,7 +2640,7 @@
           <a:p>
             <a:fld id="{BD26212E-B46B-426F-AE59-AA326827D9E0}" type="datetime1">
               <a:rPr lang="en-US" smtClean="0"/>
-              <a:t>6/3/2021</a:t>
+              <a:t>3/13/2022</a:t>
             </a:fld>
             <a:endParaRPr lang="en-US"/>
           </a:p>
@@ -2915,7 +2915,7 @@
           <a:p>
             <a:fld id="{FB9B81E8-09EA-4684-A39F-38DE1E49D20C}" type="datetime1">
               <a:rPr lang="en-US" smtClean="0"/>
-              <a:t>6/3/2021</a:t>
+              <a:t>3/13/2022</a:t>
             </a:fld>
             <a:endParaRPr lang="en-US"/>
           </a:p>
@@ -3167,7 +3167,7 @@
           <a:p>
             <a:fld id="{35C5CC5F-056C-4047-9A5C-9F5B4BED129B}" type="datetime1">
               <a:rPr lang="en-US" smtClean="0"/>
-              <a:t>6/3/2021</a:t>
+              <a:t>3/13/2022</a:t>
             </a:fld>
             <a:endParaRPr lang="en-US"/>
           </a:p>
@@ -3381,7 +3381,7 @@
           <a:p>
             <a:fld id="{E8171053-07BD-4A17-AC24-0A22EAA36098}" type="datetime1">
               <a:rPr lang="en-US" smtClean="0"/>
-              <a:t>6/3/2021</a:t>
+              <a:t>3/13/2022</a:t>
             </a:fld>
             <a:endParaRPr lang="en-US"/>
           </a:p>
@@ -3839,7 +3839,7 @@
                 </a:solidFill>
                 <a:hlinkClick r:id="rId2"/>
               </a:rPr>
-              <a:t>http://euclid.psych.yorku.ca/www/psy6135/</a:t>
+              <a:t>http://friendly.github.io/6135</a:t>
             </a:r>
             <a:r>
               <a:rPr lang="en-US" sz="2200" dirty="0">

--- a/lectures/RStudio.pptx
+++ b/lectures/RStudio.pptx
@@ -242,7 +242,7 @@
           <a:p>
             <a:fld id="{08BD4FA9-F3CE-45B3-A980-C331C6F1EF65}" type="datetimeFigureOut">
               <a:rPr lang="en-US" smtClean="0"/>
-              <a:t>3/13/2022</a:t>
+              <a:t>1/14/2024</a:t>
             </a:fld>
             <a:endParaRPr lang="en-US"/>
           </a:p>
@@ -407,7 +407,7 @@
           <a:p>
             <a:fld id="{4DD5792B-B5B4-4CD1-8610-9362680650DD}" type="datetimeFigureOut">
               <a:rPr lang="en-US" smtClean="0"/>
-              <a:t>3/13/2022</a:t>
+              <a:t>1/14/2024</a:t>
             </a:fld>
             <a:endParaRPr lang="en-US"/>
           </a:p>
@@ -948,7 +948,7 @@
           <a:p>
             <a:fld id="{EAAD3657-2200-4D14-82C0-10C39B0F0F06}" type="datetime1">
               <a:rPr lang="en-US" smtClean="0"/>
-              <a:t>3/13/2022</a:t>
+              <a:t>1/14/2024</a:t>
             </a:fld>
             <a:endParaRPr lang="en-US"/>
           </a:p>
@@ -1116,7 +1116,7 @@
           <a:p>
             <a:fld id="{11BBAF55-A85E-4993-914E-FC1E5AA7DF24}" type="datetime1">
               <a:rPr lang="en-US" smtClean="0"/>
-              <a:t>3/13/2022</a:t>
+              <a:t>1/14/2024</a:t>
             </a:fld>
             <a:endParaRPr lang="en-US"/>
           </a:p>
@@ -1294,7 +1294,7 @@
           <a:p>
             <a:fld id="{39816E07-E1DB-44A4-A5E5-9F4B54E8C933}" type="datetime1">
               <a:rPr lang="en-US" smtClean="0"/>
-              <a:t>3/13/2022</a:t>
+              <a:t>1/14/2024</a:t>
             </a:fld>
             <a:endParaRPr lang="en-US"/>
           </a:p>
@@ -1479,7 +1479,7 @@
           <a:p>
             <a:fld id="{C2B1AD17-B813-4477-8AFE-B1860CC59113}" type="datetime1">
               <a:rPr lang="en-US" smtClean="0"/>
-              <a:t>3/13/2022</a:t>
+              <a:t>1/14/2024</a:t>
             </a:fld>
             <a:endParaRPr lang="en-US"/>
           </a:p>
@@ -1724,7 +1724,7 @@
           <a:p>
             <a:fld id="{D0975C0D-5C9E-48CC-8D31-F42D19FA8F7A}" type="datetime1">
               <a:rPr lang="en-US" smtClean="0"/>
-              <a:t>3/13/2022</a:t>
+              <a:t>1/14/2024</a:t>
             </a:fld>
             <a:endParaRPr lang="en-US"/>
           </a:p>
@@ -2009,7 +2009,7 @@
           <a:p>
             <a:fld id="{28657551-0F2B-4F09-86FD-F7994CE83DC5}" type="datetime1">
               <a:rPr lang="en-US" smtClean="0"/>
-              <a:t>3/13/2022</a:t>
+              <a:t>1/14/2024</a:t>
             </a:fld>
             <a:endParaRPr lang="en-US"/>
           </a:p>
@@ -2428,7 +2428,7 @@
           <a:p>
             <a:fld id="{3929D2B2-4200-46B9-96C3-02A55D5FAA00}" type="datetime1">
               <a:rPr lang="en-US" smtClean="0"/>
-              <a:t>3/13/2022</a:t>
+              <a:t>1/14/2024</a:t>
             </a:fld>
             <a:endParaRPr lang="en-US"/>
           </a:p>
@@ -2545,7 +2545,7 @@
           <a:p>
             <a:fld id="{41FF7722-74E8-497F-A072-89677A2C2373}" type="datetime1">
               <a:rPr lang="en-US" smtClean="0"/>
-              <a:t>3/13/2022</a:t>
+              <a:t>1/14/2024</a:t>
             </a:fld>
             <a:endParaRPr lang="en-US"/>
           </a:p>
@@ -2640,7 +2640,7 @@
           <a:p>
             <a:fld id="{BD26212E-B46B-426F-AE59-AA326827D9E0}" type="datetime1">
               <a:rPr lang="en-US" smtClean="0"/>
-              <a:t>3/13/2022</a:t>
+              <a:t>1/14/2024</a:t>
             </a:fld>
             <a:endParaRPr lang="en-US"/>
           </a:p>
@@ -2915,7 +2915,7 @@
           <a:p>
             <a:fld id="{FB9B81E8-09EA-4684-A39F-38DE1E49D20C}" type="datetime1">
               <a:rPr lang="en-US" smtClean="0"/>
-              <a:t>3/13/2022</a:t>
+              <a:t>1/14/2024</a:t>
             </a:fld>
             <a:endParaRPr lang="en-US"/>
           </a:p>
@@ -3167,7 +3167,7 @@
           <a:p>
             <a:fld id="{35C5CC5F-056C-4047-9A5C-9F5B4BED129B}" type="datetime1">
               <a:rPr lang="en-US" smtClean="0"/>
-              <a:t>3/13/2022</a:t>
+              <a:t>1/14/2024</a:t>
             </a:fld>
             <a:endParaRPr lang="en-US"/>
           </a:p>
@@ -3381,7 +3381,7 @@
           <a:p>
             <a:fld id="{E8171053-07BD-4A17-AC24-0A22EAA36098}" type="datetime1">
               <a:rPr lang="en-US" smtClean="0"/>
-              <a:t>3/13/2022</a:t>
+              <a:t>1/14/2024</a:t>
             </a:fld>
             <a:endParaRPr lang="en-US"/>
           </a:p>
@@ -3964,6 +3964,66 @@
           </a:prstGeom>
         </p:spPr>
       </p:pic>
+      <p:pic>
+        <p:nvPicPr>
+          <p:cNvPr id="8" name="Picture 7">
+            <a:extLst>
+              <a:ext uri="{FF2B5EF4-FFF2-40B4-BE49-F238E27FC236}">
+                <a16:creationId xmlns:a16="http://schemas.microsoft.com/office/drawing/2014/main" id="{6DB188AC-CB37-8DB2-8EF9-D9ED2312DBCE}"/>
+              </a:ext>
+            </a:extLst>
+          </p:cNvPr>
+          <p:cNvPicPr>
+            <a:picLocks noChangeAspect="1"/>
+          </p:cNvPicPr>
+          <p:nvPr/>
+        </p:nvPicPr>
+        <p:blipFill>
+          <a:blip r:embed="rId6"/>
+          <a:stretch>
+            <a:fillRect/>
+          </a:stretch>
+        </p:blipFill>
+        <p:spPr>
+          <a:xfrm>
+            <a:off x="685800" y="4301617"/>
+            <a:ext cx="1065276" cy="1225296"/>
+          </a:xfrm>
+          <a:prstGeom prst="rect">
+            <a:avLst/>
+          </a:prstGeom>
+        </p:spPr>
+      </p:pic>
+      <p:pic>
+        <p:nvPicPr>
+          <p:cNvPr id="10" name="Picture 9">
+            <a:extLst>
+              <a:ext uri="{FF2B5EF4-FFF2-40B4-BE49-F238E27FC236}">
+                <a16:creationId xmlns:a16="http://schemas.microsoft.com/office/drawing/2014/main" id="{EC5B73E2-0B7D-9F34-47F5-6100E2908456}"/>
+              </a:ext>
+            </a:extLst>
+          </p:cNvPr>
+          <p:cNvPicPr>
+            <a:picLocks noChangeAspect="1"/>
+          </p:cNvPicPr>
+          <p:nvPr/>
+        </p:nvPicPr>
+        <p:blipFill>
+          <a:blip r:embed="rId6"/>
+          <a:stretch>
+            <a:fillRect/>
+          </a:stretch>
+        </p:blipFill>
+        <p:spPr>
+          <a:xfrm>
+            <a:off x="7392924" y="4301617"/>
+            <a:ext cx="1065276" cy="1225296"/>
+          </a:xfrm>
+          <a:prstGeom prst="rect">
+            <a:avLst/>
+          </a:prstGeom>
+        </p:spPr>
+      </p:pic>
     </p:spTree>
     <p:extLst>
       <p:ext uri="{BB962C8B-B14F-4D97-AF65-F5344CB8AC3E}">
@@ -7974,6 +8034,42 @@
           <a:xfrm>
             <a:off x="2525423" y="4420879"/>
             <a:ext cx="609600" cy="704088"/>
+          </a:xfrm>
+          <a:prstGeom prst="rect">
+            <a:avLst/>
+          </a:prstGeom>
+        </p:spPr>
+      </p:pic>
+      <p:pic>
+        <p:nvPicPr>
+          <p:cNvPr id="15" name="Picture 14" descr="A hexagon with white text&#10;&#10;Description automatically generated">
+            <a:extLst>
+              <a:ext uri="{FF2B5EF4-FFF2-40B4-BE49-F238E27FC236}">
+                <a16:creationId xmlns:a16="http://schemas.microsoft.com/office/drawing/2014/main" id="{8F025796-6D57-F317-6650-B2F726C05604}"/>
+              </a:ext>
+            </a:extLst>
+          </p:cNvPr>
+          <p:cNvPicPr>
+            <a:picLocks noChangeAspect="1"/>
+          </p:cNvPicPr>
+          <p:nvPr/>
+        </p:nvPicPr>
+        <p:blipFill>
+          <a:blip r:embed="rId11" cstate="print">
+            <a:extLst>
+              <a:ext uri="{28A0092B-C50C-407E-A947-70E740481C1C}">
+                <a14:useLocalDpi xmlns:a14="http://schemas.microsoft.com/office/drawing/2010/main" val="0"/>
+              </a:ext>
+            </a:extLst>
+          </a:blip>
+          <a:stretch>
+            <a:fillRect/>
+          </a:stretch>
+        </p:blipFill>
+        <p:spPr>
+          <a:xfrm>
+            <a:off x="3505200" y="4420879"/>
+            <a:ext cx="617677" cy="713232"/>
           </a:xfrm>
           <a:prstGeom prst="rect">
             <a:avLst/>

--- a/lectures/RStudio.pptx
+++ b/lectures/RStudio.pptx
@@ -242,7 +242,7 @@
           <a:p>
             <a:fld id="{08BD4FA9-F3CE-45B3-A980-C331C6F1EF65}" type="datetimeFigureOut">
               <a:rPr lang="en-US" smtClean="0"/>
-              <a:t>1/14/2024</a:t>
+              <a:t>3/12/2024</a:t>
             </a:fld>
             <a:endParaRPr lang="en-US"/>
           </a:p>
@@ -407,7 +407,7 @@
           <a:p>
             <a:fld id="{4DD5792B-B5B4-4CD1-8610-9362680650DD}" type="datetimeFigureOut">
               <a:rPr lang="en-US" smtClean="0"/>
-              <a:t>1/14/2024</a:t>
+              <a:t>3/12/2024</a:t>
             </a:fld>
             <a:endParaRPr lang="en-US"/>
           </a:p>
@@ -948,7 +948,7 @@
           <a:p>
             <a:fld id="{EAAD3657-2200-4D14-82C0-10C39B0F0F06}" type="datetime1">
               <a:rPr lang="en-US" smtClean="0"/>
-              <a:t>1/14/2024</a:t>
+              <a:t>3/12/2024</a:t>
             </a:fld>
             <a:endParaRPr lang="en-US"/>
           </a:p>
@@ -1116,7 +1116,7 @@
           <a:p>
             <a:fld id="{11BBAF55-A85E-4993-914E-FC1E5AA7DF24}" type="datetime1">
               <a:rPr lang="en-US" smtClean="0"/>
-              <a:t>1/14/2024</a:t>
+              <a:t>3/12/2024</a:t>
             </a:fld>
             <a:endParaRPr lang="en-US"/>
           </a:p>
@@ -1294,7 +1294,7 @@
           <a:p>
             <a:fld id="{39816E07-E1DB-44A4-A5E5-9F4B54E8C933}" type="datetime1">
               <a:rPr lang="en-US" smtClean="0"/>
-              <a:t>1/14/2024</a:t>
+              <a:t>3/12/2024</a:t>
             </a:fld>
             <a:endParaRPr lang="en-US"/>
           </a:p>
@@ -1479,7 +1479,7 @@
           <a:p>
             <a:fld id="{C2B1AD17-B813-4477-8AFE-B1860CC59113}" type="datetime1">
               <a:rPr lang="en-US" smtClean="0"/>
-              <a:t>1/14/2024</a:t>
+              <a:t>3/12/2024</a:t>
             </a:fld>
             <a:endParaRPr lang="en-US"/>
           </a:p>
@@ -1724,7 +1724,7 @@
           <a:p>
             <a:fld id="{D0975C0D-5C9E-48CC-8D31-F42D19FA8F7A}" type="datetime1">
               <a:rPr lang="en-US" smtClean="0"/>
-              <a:t>1/14/2024</a:t>
+              <a:t>3/12/2024</a:t>
             </a:fld>
             <a:endParaRPr lang="en-US"/>
           </a:p>
@@ -2009,7 +2009,7 @@
           <a:p>
             <a:fld id="{28657551-0F2B-4F09-86FD-F7994CE83DC5}" type="datetime1">
               <a:rPr lang="en-US" smtClean="0"/>
-              <a:t>1/14/2024</a:t>
+              <a:t>3/12/2024</a:t>
             </a:fld>
             <a:endParaRPr lang="en-US"/>
           </a:p>
@@ -2428,7 +2428,7 @@
           <a:p>
             <a:fld id="{3929D2B2-4200-46B9-96C3-02A55D5FAA00}" type="datetime1">
               <a:rPr lang="en-US" smtClean="0"/>
-              <a:t>1/14/2024</a:t>
+              <a:t>3/12/2024</a:t>
             </a:fld>
             <a:endParaRPr lang="en-US"/>
           </a:p>
@@ -2545,7 +2545,7 @@
           <a:p>
             <a:fld id="{41FF7722-74E8-497F-A072-89677A2C2373}" type="datetime1">
               <a:rPr lang="en-US" smtClean="0"/>
-              <a:t>1/14/2024</a:t>
+              <a:t>3/12/2024</a:t>
             </a:fld>
             <a:endParaRPr lang="en-US"/>
           </a:p>
@@ -2640,7 +2640,7 @@
           <a:p>
             <a:fld id="{BD26212E-B46B-426F-AE59-AA326827D9E0}" type="datetime1">
               <a:rPr lang="en-US" smtClean="0"/>
-              <a:t>1/14/2024</a:t>
+              <a:t>3/12/2024</a:t>
             </a:fld>
             <a:endParaRPr lang="en-US"/>
           </a:p>
@@ -2915,7 +2915,7 @@
           <a:p>
             <a:fld id="{FB9B81E8-09EA-4684-A39F-38DE1E49D20C}" type="datetime1">
               <a:rPr lang="en-US" smtClean="0"/>
-              <a:t>1/14/2024</a:t>
+              <a:t>3/12/2024</a:t>
             </a:fld>
             <a:endParaRPr lang="en-US"/>
           </a:p>
@@ -3167,7 +3167,7 @@
           <a:p>
             <a:fld id="{35C5CC5F-056C-4047-9A5C-9F5B4BED129B}" type="datetime1">
               <a:rPr lang="en-US" smtClean="0"/>
-              <a:t>1/14/2024</a:t>
+              <a:t>3/12/2024</a:t>
             </a:fld>
             <a:endParaRPr lang="en-US"/>
           </a:p>
@@ -3381,7 +3381,7 @@
           <a:p>
             <a:fld id="{E8171053-07BD-4A17-AC24-0A22EAA36098}" type="datetime1">
               <a:rPr lang="en-US" smtClean="0"/>
-              <a:t>1/14/2024</a:t>
+              <a:t>3/12/2024</a:t>
             </a:fld>
             <a:endParaRPr lang="en-US"/>
           </a:p>
@@ -5789,7 +5789,7 @@
           <a:p>
             <a:r>
               <a:rPr lang="en-US" dirty="0" err="1"/>
-              <a:t>rmarkdown</a:t>
+              <a:t>Rmarkdown</a:t>
             </a:r>
             <a:r>
               <a:rPr lang="en-US" dirty="0"/>
@@ -5875,7 +5875,7 @@
           <a:p>
             <a:r>
               <a:rPr lang="en-US" dirty="0" err="1"/>
-              <a:t>rmarkdown</a:t>
+              <a:t>Rmarkdown</a:t>
             </a:r>
             <a:r>
               <a:rPr lang="en-US" dirty="0"/>
@@ -6616,12 +6616,24 @@
           <a:p>
             <a:r>
               <a:rPr lang="en-US" dirty="0"/>
-              <a:t>Often, you just want to “compile” an R script, and get the output embedded in the result, in HTML, Word, or PDF.  Just type Ctrl-Shift-K or tap the </a:t>
+              <a:t>Often, you just want to “compile” an R script, and get the output embedded in the result, in HTML, Word, or PDF.  Just type </a:t>
             </a:r>
             <a:r>
               <a:rPr lang="en-US" dirty="0">
                 <a:solidFill>
-                  <a:srgbClr val="FF0000"/>
+                  <a:srgbClr val="0070C0"/>
+                </a:solidFill>
+              </a:rPr>
+              <a:t>Ctrl-Shift-K</a:t>
+            </a:r>
+            <a:r>
+              <a:rPr lang="en-US" dirty="0"/>
+              <a:t> or tap the </a:t>
+            </a:r>
+            <a:r>
+              <a:rPr lang="en-US" dirty="0">
+                <a:solidFill>
+                  <a:srgbClr val="0070C0"/>
                 </a:solidFill>
               </a:rPr>
               <a:t>Compile Report </a:t>
@@ -6901,8 +6913,8 @@
         </p:nvSpPr>
         <p:spPr>
           <a:xfrm rot="660000">
-            <a:off x="4167613" y="5483740"/>
-            <a:ext cx="1143000" cy="369332"/>
+            <a:off x="4164696" y="5514036"/>
+            <a:ext cx="1460558" cy="369332"/>
           </a:xfrm>
           <a:prstGeom prst="rect">
             <a:avLst/>
@@ -6921,7 +6933,7 @@
                   <a:srgbClr val="FF0000"/>
                 </a:solidFill>
               </a:rPr>
-              <a:t>use math</a:t>
+              <a:t>use $math$</a:t>
             </a:r>
           </a:p>
         </p:txBody>
@@ -6965,6 +6977,183 @@
           </a:p>
         </p:txBody>
       </p:sp>
+      <p:sp>
+        <p:nvSpPr>
+          <p:cNvPr id="13" name="Rectangle: Rounded Corners 12">
+            <a:extLst>
+              <a:ext uri="{FF2B5EF4-FFF2-40B4-BE49-F238E27FC236}">
+                <a16:creationId xmlns:a16="http://schemas.microsoft.com/office/drawing/2014/main" id="{834B6285-2DC2-C4A8-A027-949C9BD649DF}"/>
+              </a:ext>
+            </a:extLst>
+          </p:cNvPr>
+          <p:cNvSpPr/>
+          <p:nvPr/>
+        </p:nvSpPr>
+        <p:spPr>
+          <a:xfrm>
+            <a:off x="914400" y="3276600"/>
+            <a:ext cx="1828799" cy="496669"/>
+          </a:xfrm>
+          <a:prstGeom prst="roundRect">
+            <a:avLst/>
+          </a:prstGeom>
+          <a:noFill/>
+          <a:ln>
+            <a:solidFill>
+              <a:srgbClr val="FF0000"/>
+            </a:solidFill>
+          </a:ln>
+        </p:spPr>
+        <p:style>
+          <a:lnRef idx="2">
+            <a:schemeClr val="accent1">
+              <a:shade val="15000"/>
+            </a:schemeClr>
+          </a:lnRef>
+          <a:fillRef idx="1">
+            <a:schemeClr val="accent1"/>
+          </a:fillRef>
+          <a:effectRef idx="0">
+            <a:schemeClr val="accent1"/>
+          </a:effectRef>
+          <a:fontRef idx="minor">
+            <a:schemeClr val="lt1"/>
+          </a:fontRef>
+        </p:style>
+        <p:txBody>
+          <a:bodyPr rtlCol="0" anchor="ctr"/>
+          <a:lstStyle/>
+          <a:p>
+            <a:pPr algn="ctr"/>
+            <a:endParaRPr lang="en-CA"/>
+          </a:p>
+        </p:txBody>
+      </p:sp>
+      <p:cxnSp>
+        <p:nvCxnSpPr>
+          <p:cNvPr id="15" name="Straight Arrow Connector 14">
+            <a:extLst>
+              <a:ext uri="{FF2B5EF4-FFF2-40B4-BE49-F238E27FC236}">
+                <a16:creationId xmlns:a16="http://schemas.microsoft.com/office/drawing/2014/main" id="{05622B1F-2B24-4D1A-2F4E-AC8104521168}"/>
+              </a:ext>
+            </a:extLst>
+          </p:cNvPr>
+          <p:cNvCxnSpPr/>
+          <p:nvPr/>
+        </p:nvCxnSpPr>
+        <p:spPr>
+          <a:xfrm flipV="1">
+            <a:off x="3043550" y="3165220"/>
+            <a:ext cx="2138050" cy="329440"/>
+          </a:xfrm>
+          <a:prstGeom prst="straightConnector1">
+            <a:avLst/>
+          </a:prstGeom>
+          <a:ln w="22225">
+            <a:solidFill>
+              <a:srgbClr val="FF0000"/>
+            </a:solidFill>
+            <a:tailEnd type="stealth" w="lg" len="lg"/>
+          </a:ln>
+        </p:spPr>
+        <p:style>
+          <a:lnRef idx="1">
+            <a:schemeClr val="accent1"/>
+          </a:lnRef>
+          <a:fillRef idx="0">
+            <a:schemeClr val="accent1"/>
+          </a:fillRef>
+          <a:effectRef idx="0">
+            <a:schemeClr val="accent1"/>
+          </a:effectRef>
+          <a:fontRef idx="minor">
+            <a:schemeClr val="tx1"/>
+          </a:fontRef>
+        </p:style>
+      </p:cxnSp>
+      <p:sp>
+        <p:nvSpPr>
+          <p:cNvPr id="16" name="TextBox 15">
+            <a:extLst>
+              <a:ext uri="{FF2B5EF4-FFF2-40B4-BE49-F238E27FC236}">
+                <a16:creationId xmlns:a16="http://schemas.microsoft.com/office/drawing/2014/main" id="{C40342AB-8598-D97D-D0C9-DA527853CC54}"/>
+              </a:ext>
+            </a:extLst>
+          </p:cNvPr>
+          <p:cNvSpPr txBox="1"/>
+          <p:nvPr/>
+        </p:nvSpPr>
+        <p:spPr>
+          <a:xfrm rot="21095038">
+            <a:off x="3011119" y="3007957"/>
+            <a:ext cx="2138050" cy="369332"/>
+          </a:xfrm>
+          <a:prstGeom prst="rect">
+            <a:avLst/>
+          </a:prstGeom>
+          <a:noFill/>
+        </p:spPr>
+        <p:txBody>
+          <a:bodyPr wrap="square" rtlCol="0">
+            <a:spAutoFit/>
+          </a:bodyPr>
+          <a:lstStyle/>
+          <a:p>
+            <a:r>
+              <a:rPr lang="en-CA" dirty="0">
+                <a:solidFill>
+                  <a:srgbClr val="FF0000"/>
+                </a:solidFill>
+              </a:rPr>
+              <a:t>#’ Document title</a:t>
+            </a:r>
+          </a:p>
+        </p:txBody>
+      </p:sp>
+      <p:cxnSp>
+        <p:nvCxnSpPr>
+          <p:cNvPr id="18" name="Straight Arrow Connector 17">
+            <a:extLst>
+              <a:ext uri="{FF2B5EF4-FFF2-40B4-BE49-F238E27FC236}">
+                <a16:creationId xmlns:a16="http://schemas.microsoft.com/office/drawing/2014/main" id="{21C669F1-07AB-1CD5-5EBB-9D068F405974}"/>
+              </a:ext>
+            </a:extLst>
+          </p:cNvPr>
+          <p:cNvCxnSpPr>
+            <a:stCxn id="4" idx="2"/>
+          </p:cNvCxnSpPr>
+          <p:nvPr/>
+        </p:nvCxnSpPr>
+        <p:spPr>
+          <a:xfrm flipH="1">
+            <a:off x="3733800" y="2017931"/>
+            <a:ext cx="838200" cy="191869"/>
+          </a:xfrm>
+          <a:prstGeom prst="straightConnector1">
+            <a:avLst/>
+          </a:prstGeom>
+          <a:ln w="22225">
+            <a:solidFill>
+              <a:srgbClr val="0070C0"/>
+            </a:solidFill>
+            <a:tailEnd type="triangle"/>
+          </a:ln>
+        </p:spPr>
+        <p:style>
+          <a:lnRef idx="1">
+            <a:schemeClr val="accent1"/>
+          </a:lnRef>
+          <a:fillRef idx="0">
+            <a:schemeClr val="accent1"/>
+          </a:fillRef>
+          <a:effectRef idx="0">
+            <a:schemeClr val="accent1"/>
+          </a:effectRef>
+          <a:fontRef idx="minor">
+            <a:schemeClr val="tx1"/>
+          </a:fontRef>
+        </p:style>
+      </p:cxnSp>
     </p:spTree>
     <p:extLst>
       <p:ext uri="{BB962C8B-B14F-4D97-AF65-F5344CB8AC3E}">
@@ -7177,7 +7366,7 @@
               <a:rPr lang="en-US" sz="1200" dirty="0">
                 <a:hlinkClick r:id="rId5"/>
               </a:rPr>
-              <a:t>http://euclid.psych.yorku.ca/www/psy6135/R/install-</a:t>
+              <a:t>https://friendly.github.io/6135/R/install-</a:t>
             </a:r>
             <a:r>
               <a:rPr lang="en-US" sz="1200" dirty="0" err="1">
@@ -7187,7 +7376,7 @@
             </a:r>
             <a:r>
               <a:rPr lang="en-US" sz="1200" dirty="0"/>
-              <a:t> ”)</a:t>
+              <a:t>”)</a:t>
             </a:r>
           </a:p>
         </p:txBody>
